--- a/改變我改變世界(崇拜版).pptx
+++ b/改變我改變世界(崇拜版).pptx
@@ -5,9 +5,14 @@
     <p:sldMasterId id="2147483660" r:id="rId1"/>
   </p:sldMasterIdLst>
   <p:sldIdLst>
-    <p:sldId id="257" r:id="rId2"/>
-    <p:sldId id="258" r:id="rId3"/>
-    <p:sldId id="259" r:id="rId4"/>
+    <p:sldId id="260" r:id="rId2"/>
+    <p:sldId id="261" r:id="rId3"/>
+    <p:sldId id="262" r:id="rId4"/>
+    <p:sldId id="263" r:id="rId5"/>
+    <p:sldId id="264" r:id="rId6"/>
+    <p:sldId id="265" r:id="rId7"/>
+    <p:sldId id="266" r:id="rId8"/>
+    <p:sldId id="267" r:id="rId9"/>
   </p:sldIdLst>
   <p:sldSz cx="12192000" cy="6858000"/>
   <p:notesSz cx="6858000" cy="9144000"/>
@@ -106,6 +111,11 @@
       </a:defRPr>
     </a:lvl9pPr>
   </p:defaultTextStyle>
+  <p:extLst>
+    <p:ext uri="{EFAFB233-063F-42B5-8137-9DF3F51BA10A}">
+      <p15:sldGuideLst xmlns:p15="http://schemas.microsoft.com/office/powerpoint/2012/main"/>
+    </p:ext>
+  </p:extLst>
 </p:presentation>
 </file>
 
@@ -290,7 +300,7 @@
           <a:p>
             <a:fld id="{29BA8E5B-A195-448A-8666-69CCADE813AC}" type="datetimeFigureOut">
               <a:rPr lang="vi-VN" smtClean="0"/>
-              <a:t>09/05/2020</a:t>
+              <a:t>19/03/2022</a:t>
             </a:fld>
             <a:endParaRPr lang="vi-VN"/>
           </a:p>
@@ -460,7 +470,7 @@
           <a:p>
             <a:fld id="{29BA8E5B-A195-448A-8666-69CCADE813AC}" type="datetimeFigureOut">
               <a:rPr lang="vi-VN" smtClean="0"/>
-              <a:t>09/05/2020</a:t>
+              <a:t>19/03/2022</a:t>
             </a:fld>
             <a:endParaRPr lang="vi-VN"/>
           </a:p>
@@ -640,7 +650,7 @@
           <a:p>
             <a:fld id="{29BA8E5B-A195-448A-8666-69CCADE813AC}" type="datetimeFigureOut">
               <a:rPr lang="vi-VN" smtClean="0"/>
-              <a:t>09/05/2020</a:t>
+              <a:t>19/03/2022</a:t>
             </a:fld>
             <a:endParaRPr lang="vi-VN"/>
           </a:p>
@@ -810,7 +820,7 @@
           <a:p>
             <a:fld id="{29BA8E5B-A195-448A-8666-69CCADE813AC}" type="datetimeFigureOut">
               <a:rPr lang="vi-VN" smtClean="0"/>
-              <a:t>09/05/2020</a:t>
+              <a:t>19/03/2022</a:t>
             </a:fld>
             <a:endParaRPr lang="vi-VN"/>
           </a:p>
@@ -1056,7 +1066,7 @@
           <a:p>
             <a:fld id="{29BA8E5B-A195-448A-8666-69CCADE813AC}" type="datetimeFigureOut">
               <a:rPr lang="vi-VN" smtClean="0"/>
-              <a:t>09/05/2020</a:t>
+              <a:t>19/03/2022</a:t>
             </a:fld>
             <a:endParaRPr lang="vi-VN"/>
           </a:p>
@@ -1344,7 +1354,7 @@
           <a:p>
             <a:fld id="{29BA8E5B-A195-448A-8666-69CCADE813AC}" type="datetimeFigureOut">
               <a:rPr lang="vi-VN" smtClean="0"/>
-              <a:t>09/05/2020</a:t>
+              <a:t>19/03/2022</a:t>
             </a:fld>
             <a:endParaRPr lang="vi-VN"/>
           </a:p>
@@ -1766,7 +1776,7 @@
           <a:p>
             <a:fld id="{29BA8E5B-A195-448A-8666-69CCADE813AC}" type="datetimeFigureOut">
               <a:rPr lang="vi-VN" smtClean="0"/>
-              <a:t>09/05/2020</a:t>
+              <a:t>19/03/2022</a:t>
             </a:fld>
             <a:endParaRPr lang="vi-VN"/>
           </a:p>
@@ -1884,7 +1894,7 @@
           <a:p>
             <a:fld id="{29BA8E5B-A195-448A-8666-69CCADE813AC}" type="datetimeFigureOut">
               <a:rPr lang="vi-VN" smtClean="0"/>
-              <a:t>09/05/2020</a:t>
+              <a:t>19/03/2022</a:t>
             </a:fld>
             <a:endParaRPr lang="vi-VN"/>
           </a:p>
@@ -1979,7 +1989,7 @@
           <a:p>
             <a:fld id="{29BA8E5B-A195-448A-8666-69CCADE813AC}" type="datetimeFigureOut">
               <a:rPr lang="vi-VN" smtClean="0"/>
-              <a:t>09/05/2020</a:t>
+              <a:t>19/03/2022</a:t>
             </a:fld>
             <a:endParaRPr lang="vi-VN"/>
           </a:p>
@@ -2256,7 +2266,7 @@
           <a:p>
             <a:fld id="{29BA8E5B-A195-448A-8666-69CCADE813AC}" type="datetimeFigureOut">
               <a:rPr lang="vi-VN" smtClean="0"/>
-              <a:t>09/05/2020</a:t>
+              <a:t>19/03/2022</a:t>
             </a:fld>
             <a:endParaRPr lang="vi-VN"/>
           </a:p>
@@ -2513,7 +2523,7 @@
           <a:p>
             <a:fld id="{29BA8E5B-A195-448A-8666-69CCADE813AC}" type="datetimeFigureOut">
               <a:rPr lang="vi-VN" smtClean="0"/>
-              <a:t>09/05/2020</a:t>
+              <a:t>19/03/2022</a:t>
             </a:fld>
             <a:endParaRPr lang="vi-VN"/>
           </a:p>
@@ -2731,7 +2741,7 @@
           <a:p>
             <a:fld id="{29BA8E5B-A195-448A-8666-69CCADE813AC}" type="datetimeFigureOut">
               <a:rPr lang="vi-VN" smtClean="0"/>
-              <a:t>09/05/2020</a:t>
+              <a:t>19/03/2022</a:t>
             </a:fld>
             <a:endParaRPr lang="vi-VN"/>
           </a:p>
@@ -3108,7 +3118,7 @@
       </p:grpSpPr>
       <p:sp>
         <p:nvSpPr>
-          <p:cNvPr id="2" name="Title 1"/>
+          <p:cNvPr id="4" name="標題 3"/>
           <p:cNvSpPr>
             <a:spLocks noGrp="1"/>
           </p:cNvSpPr>
@@ -3116,237 +3126,42 @@
             <p:ph type="title"/>
           </p:nvPr>
         </p:nvSpPr>
-        <p:spPr/>
+        <p:spPr>
+          <a:xfrm>
+            <a:off x="0" y="2660915"/>
+            <a:ext cx="12192000" cy="1143000"/>
+          </a:xfrm>
+        </p:spPr>
         <p:txBody>
           <a:bodyPr>
-            <a:normAutofit/>
+            <a:noAutofit/>
           </a:bodyPr>
           <a:lstStyle/>
           <a:p>
             <a:r>
-              <a:rPr lang="zh-TW" altLang="en-US" sz="4800" b="1" dirty="0">
-                <a:latin typeface="Microsoft JhengHei" panose="020B0604030504040204" pitchFamily="34" charset="-120"/>
-                <a:ea typeface="Microsoft JhengHei" panose="020B0604030504040204" pitchFamily="34" charset="-120"/>
+              <a:rPr lang="zh-TW" altLang="en-US" sz="7200" b="1" i="1" dirty="0">
+                <a:solidFill>
+                  <a:srgbClr val="000066"/>
+                </a:solidFill>
+                <a:effectLst>
+                  <a:outerShdw blurRad="38100" dist="38100" dir="2700000" algn="tl">
+                    <a:srgbClr val="000000">
+                      <a:alpha val="43137"/>
+                    </a:srgbClr>
+                  </a:outerShdw>
+                </a:effectLst>
+                <a:latin typeface="微軟正黑體" pitchFamily="34" charset="-120"/>
+                <a:ea typeface="微軟正黑體" pitchFamily="34" charset="-120"/>
               </a:rPr>
-              <a:t>改變</a:t>
-            </a:r>
-            <a:r>
-              <a:rPr lang="zh-TW" altLang="en-US" sz="4800" b="1" dirty="0" smtClean="0">
-                <a:latin typeface="Microsoft JhengHei" panose="020B0604030504040204" pitchFamily="34" charset="-120"/>
-                <a:ea typeface="Microsoft JhengHei" panose="020B0604030504040204" pitchFamily="34" charset="-120"/>
-              </a:rPr>
-              <a:t>我  改</a:t>
-            </a:r>
-            <a:r>
-              <a:rPr lang="zh-TW" altLang="en-US" sz="4800" b="1" dirty="0">
-                <a:latin typeface="Microsoft JhengHei" panose="020B0604030504040204" pitchFamily="34" charset="-120"/>
-                <a:ea typeface="Microsoft JhengHei" panose="020B0604030504040204" pitchFamily="34" charset="-120"/>
-              </a:rPr>
-              <a:t>變世界</a:t>
-            </a:r>
-            <a:endParaRPr lang="vi-VN" sz="4800" b="1" dirty="0">
-              <a:ea typeface="Microsoft JhengHei" panose="020B0604030504040204" pitchFamily="34" charset="-120"/>
-            </a:endParaRPr>
-          </a:p>
-        </p:txBody>
-      </p:sp>
-      <p:sp>
-        <p:nvSpPr>
-          <p:cNvPr id="3" name="Content Placeholder 2"/>
-          <p:cNvSpPr>
-            <a:spLocks noGrp="1"/>
-          </p:cNvSpPr>
-          <p:nvPr>
-            <p:ph idx="1"/>
-          </p:nvPr>
-        </p:nvSpPr>
-        <p:spPr/>
-        <p:txBody>
-          <a:bodyPr>
-            <a:normAutofit/>
-          </a:bodyPr>
-          <a:lstStyle/>
-          <a:p>
-            <a:pPr marL="0" indent="0" algn="ctr">
-              <a:buNone/>
-            </a:pPr>
-            <a:r>
-              <a:rPr lang="zh-TW" altLang="en-US" sz="5400" b="1" dirty="0">
-                <a:latin typeface="Microsoft JhengHei" panose="020B0604030504040204" pitchFamily="34" charset="-120"/>
-                <a:ea typeface="Microsoft JhengHei" panose="020B0604030504040204" pitchFamily="34" charset="-120"/>
-              </a:rPr>
-              <a:t>許多</a:t>
-            </a:r>
-            <a:r>
-              <a:rPr lang="zh-TW" altLang="en-US" sz="5400" b="1" dirty="0" smtClean="0">
-                <a:latin typeface="Microsoft JhengHei" panose="020B0604030504040204" pitchFamily="34" charset="-120"/>
-                <a:ea typeface="Microsoft JhengHei" panose="020B0604030504040204" pitchFamily="34" charset="-120"/>
-              </a:rPr>
-              <a:t>次  我</a:t>
-            </a:r>
-            <a:r>
-              <a:rPr lang="zh-TW" altLang="en-US" sz="5400" b="1" dirty="0">
-                <a:latin typeface="Microsoft JhengHei" panose="020B0604030504040204" pitchFamily="34" charset="-120"/>
-                <a:ea typeface="Microsoft JhengHei" panose="020B0604030504040204" pitchFamily="34" charset="-120"/>
-              </a:rPr>
-              <a:t>就像是那浮</a:t>
-            </a:r>
-            <a:r>
-              <a:rPr lang="zh-TW" altLang="en-US" sz="5400" b="1" dirty="0" smtClean="0">
-                <a:latin typeface="Microsoft JhengHei" panose="020B0604030504040204" pitchFamily="34" charset="-120"/>
-                <a:ea typeface="Microsoft JhengHei" panose="020B0604030504040204" pitchFamily="34" charset="-120"/>
-              </a:rPr>
-              <a:t>雲</a:t>
-            </a:r>
-            <a:endParaRPr lang="en-US" altLang="zh-TW" sz="5400" b="1" dirty="0" smtClean="0">
-              <a:latin typeface="Microsoft JhengHei" panose="020B0604030504040204" pitchFamily="34" charset="-120"/>
-              <a:ea typeface="Microsoft JhengHei" panose="020B0604030504040204" pitchFamily="34" charset="-120"/>
-            </a:endParaRPr>
-          </a:p>
-          <a:p>
-            <a:pPr marL="0" indent="0" algn="ctr">
-              <a:buNone/>
-            </a:pPr>
-            <a:r>
-              <a:rPr lang="zh-TW" altLang="en-US" sz="5400" b="1" dirty="0" smtClean="0">
-                <a:latin typeface="Microsoft JhengHei" panose="020B0604030504040204" pitchFamily="34" charset="-120"/>
-                <a:ea typeface="Microsoft JhengHei" panose="020B0604030504040204" pitchFamily="34" charset="-120"/>
-              </a:rPr>
-              <a:t>不</a:t>
-            </a:r>
-            <a:r>
-              <a:rPr lang="zh-TW" altLang="en-US" sz="5400" b="1" dirty="0">
-                <a:latin typeface="Microsoft JhengHei" panose="020B0604030504040204" pitchFamily="34" charset="-120"/>
-                <a:ea typeface="Microsoft JhengHei" panose="020B0604030504040204" pitchFamily="34" charset="-120"/>
-              </a:rPr>
-              <a:t>知要往哪裡</a:t>
-            </a:r>
-            <a:r>
-              <a:rPr lang="zh-TW" altLang="en-US" sz="5400" b="1" dirty="0" smtClean="0">
-                <a:latin typeface="Microsoft JhengHei" panose="020B0604030504040204" pitchFamily="34" charset="-120"/>
-                <a:ea typeface="Microsoft JhengHei" panose="020B0604030504040204" pitchFamily="34" charset="-120"/>
-              </a:rPr>
-              <a:t>去</a:t>
-            </a:r>
-            <a:endParaRPr lang="en-US" altLang="zh-TW" sz="5400" b="1" dirty="0">
-              <a:latin typeface="Microsoft JhengHei" panose="020B0604030504040204" pitchFamily="34" charset="-120"/>
-              <a:ea typeface="Microsoft JhengHei" panose="020B0604030504040204" pitchFamily="34" charset="-120"/>
-            </a:endParaRPr>
-          </a:p>
-          <a:p>
-            <a:pPr marL="0" indent="0" algn="ctr">
-              <a:buNone/>
-            </a:pPr>
-            <a:r>
-              <a:rPr lang="zh-TW" altLang="en-US" sz="5400" b="1" dirty="0" smtClean="0">
-                <a:latin typeface="Microsoft JhengHei" panose="020B0604030504040204" pitchFamily="34" charset="-120"/>
-                <a:ea typeface="Microsoft JhengHei" panose="020B0604030504040204" pitchFamily="34" charset="-120"/>
-              </a:rPr>
-              <a:t>而</a:t>
-            </a:r>
-            <a:r>
-              <a:rPr lang="zh-TW" altLang="en-US" sz="5400" b="1" dirty="0">
-                <a:latin typeface="Microsoft JhengHei" panose="020B0604030504040204" pitchFamily="34" charset="-120"/>
-                <a:ea typeface="Microsoft JhengHei" panose="020B0604030504040204" pitchFamily="34" charset="-120"/>
-              </a:rPr>
-              <a:t>如今我可以停止追</a:t>
-            </a:r>
-            <a:r>
-              <a:rPr lang="zh-TW" altLang="en-US" sz="5400" b="1" dirty="0" smtClean="0">
-                <a:latin typeface="Microsoft JhengHei" panose="020B0604030504040204" pitchFamily="34" charset="-120"/>
-                <a:ea typeface="Microsoft JhengHei" panose="020B0604030504040204" pitchFamily="34" charset="-120"/>
-              </a:rPr>
-              <a:t>尋</a:t>
-            </a:r>
-            <a:endParaRPr lang="en-US" altLang="zh-TW" sz="5400" b="1" dirty="0">
-              <a:latin typeface="Microsoft JhengHei" panose="020B0604030504040204" pitchFamily="34" charset="-120"/>
-              <a:ea typeface="Microsoft JhengHei" panose="020B0604030504040204" pitchFamily="34" charset="-120"/>
-            </a:endParaRPr>
-          </a:p>
-          <a:p>
-            <a:pPr marL="0" indent="0" algn="ctr">
-              <a:buNone/>
-            </a:pPr>
-            <a:r>
-              <a:rPr lang="zh-TW" altLang="en-US" sz="5400" b="1" dirty="0" smtClean="0">
-                <a:latin typeface="Microsoft JhengHei" panose="020B0604030504040204" pitchFamily="34" charset="-120"/>
-                <a:ea typeface="Microsoft JhengHei" panose="020B0604030504040204" pitchFamily="34" charset="-120"/>
-              </a:rPr>
-              <a:t>是</a:t>
-            </a:r>
-            <a:r>
-              <a:rPr lang="zh-CN" altLang="en-US" sz="5400" b="1" dirty="0">
-                <a:latin typeface="Microsoft JhengHei" panose="020B0604030504040204" pitchFamily="34" charset="-120"/>
-                <a:ea typeface="Microsoft JhengHei" panose="020B0604030504040204" pitchFamily="34" charset="-120"/>
-              </a:rPr>
-              <a:t>袮</a:t>
-            </a:r>
-            <a:r>
-              <a:rPr lang="zh-TW" altLang="en-US" sz="5400" b="1" dirty="0" smtClean="0">
-                <a:latin typeface="Microsoft JhengHei" panose="020B0604030504040204" pitchFamily="34" charset="-120"/>
-                <a:ea typeface="Microsoft JhengHei" panose="020B0604030504040204" pitchFamily="34" charset="-120"/>
-              </a:rPr>
-              <a:t>的</a:t>
-            </a:r>
-            <a:r>
-              <a:rPr lang="zh-TW" altLang="en-US" sz="5400" b="1" dirty="0">
-                <a:latin typeface="Microsoft JhengHei" panose="020B0604030504040204" pitchFamily="34" charset="-120"/>
-                <a:ea typeface="Microsoft JhengHei" panose="020B0604030504040204" pitchFamily="34" charset="-120"/>
-              </a:rPr>
-              <a:t>愛填滿我</a:t>
-            </a:r>
-            <a:r>
-              <a:rPr lang="zh-TW" altLang="en-US" sz="5400" b="1" dirty="0" smtClean="0">
-                <a:latin typeface="Microsoft JhengHei" panose="020B0604030504040204" pitchFamily="34" charset="-120"/>
-                <a:ea typeface="Microsoft JhengHei" panose="020B0604030504040204" pitchFamily="34" charset="-120"/>
-              </a:rPr>
-              <a:t>心  引</a:t>
-            </a:r>
-            <a:r>
-              <a:rPr lang="zh-TW" altLang="en-US" sz="5400" b="1" dirty="0">
-                <a:latin typeface="Microsoft JhengHei" panose="020B0604030504040204" pitchFamily="34" charset="-120"/>
-                <a:ea typeface="Microsoft JhengHei" panose="020B0604030504040204" pitchFamily="34" charset="-120"/>
-              </a:rPr>
-              <a:t>領我</a:t>
-            </a:r>
-            <a:r>
-              <a:rPr lang="zh-TW" altLang="en-US" sz="5400" b="1" dirty="0" smtClean="0">
-                <a:latin typeface="Microsoft JhengHei" panose="020B0604030504040204" pitchFamily="34" charset="-120"/>
-                <a:ea typeface="Microsoft JhengHei" panose="020B0604030504040204" pitchFamily="34" charset="-120"/>
-              </a:rPr>
-              <a:t>與</a:t>
-            </a:r>
-            <a:r>
-              <a:rPr lang="zh-CN" altLang="en-US" sz="5400" b="1" dirty="0">
-                <a:latin typeface="Microsoft JhengHei" panose="020B0604030504040204" pitchFamily="34" charset="-120"/>
-                <a:ea typeface="Microsoft JhengHei" panose="020B0604030504040204" pitchFamily="34" charset="-120"/>
-              </a:rPr>
-              <a:t>袮</a:t>
-            </a:r>
-            <a:r>
-              <a:rPr lang="zh-TW" altLang="en-US" sz="5400" b="1" dirty="0" smtClean="0">
-                <a:latin typeface="Microsoft JhengHei" panose="020B0604030504040204" pitchFamily="34" charset="-120"/>
-                <a:ea typeface="Microsoft JhengHei" panose="020B0604030504040204" pitchFamily="34" charset="-120"/>
-              </a:rPr>
-              <a:t>同</a:t>
-            </a:r>
-            <a:r>
-              <a:rPr lang="zh-TW" altLang="en-US" sz="5400" b="1" dirty="0">
-                <a:latin typeface="Microsoft JhengHei" panose="020B0604030504040204" pitchFamily="34" charset="-120"/>
-                <a:ea typeface="Microsoft JhengHei" panose="020B0604030504040204" pitchFamily="34" charset="-120"/>
-              </a:rPr>
-              <a:t>行</a:t>
-            </a:r>
-            <a:endParaRPr lang="vi-VN" sz="5400" b="1" dirty="0">
-              <a:ea typeface="Microsoft JhengHei" panose="020B0604030504040204" pitchFamily="34" charset="-120"/>
-            </a:endParaRPr>
+              <a:t>改變我  改變世界</a:t>
+            </a:r>
           </a:p>
         </p:txBody>
       </p:sp>
     </p:spTree>
     <p:extLst>
       <p:ext uri="{BB962C8B-B14F-4D97-AF65-F5344CB8AC3E}">
-        <p14:creationId xmlns:p14="http://schemas.microsoft.com/office/powerpoint/2010/main" val="3440186847"/>
+        <p14:creationId xmlns:p14="http://schemas.microsoft.com/office/powerpoint/2010/main" val="2063613909"/>
       </p:ext>
     </p:extLst>
   </p:cSld>
@@ -3375,209 +3190,136 @@
       </p:grpSpPr>
       <p:sp>
         <p:nvSpPr>
-          <p:cNvPr id="2" name="Title 1"/>
-          <p:cNvSpPr>
-            <a:spLocks noGrp="1"/>
-          </p:cNvSpPr>
-          <p:nvPr>
-            <p:ph type="title"/>
-          </p:nvPr>
-        </p:nvSpPr>
-        <p:spPr/>
-        <p:txBody>
-          <a:bodyPr>
+          <p:cNvPr id="5" name="內容版面配置區 4"/>
+          <p:cNvSpPr>
+            <a:spLocks noGrp="1"/>
+          </p:cNvSpPr>
+          <p:nvPr>
+            <p:ph idx="1"/>
+          </p:nvPr>
+        </p:nvSpPr>
+        <p:spPr>
+          <a:xfrm>
+            <a:off x="0" y="2084851"/>
+            <a:ext cx="12192000" cy="2404863"/>
+          </a:xfrm>
+        </p:spPr>
+        <p:txBody>
+          <a:bodyPr anchor="ctr">
             <a:normAutofit/>
           </a:bodyPr>
           <a:lstStyle/>
           <a:p>
-            <a:r>
-              <a:rPr lang="zh-TW" altLang="en-US" sz="4800" b="1" dirty="0">
+            <a:pPr marL="0" indent="0" algn="ctr">
+              <a:buNone/>
+            </a:pPr>
+            <a:r>
+              <a:rPr lang="zh-TW" altLang="en-US" sz="6400" b="1" dirty="0">
+                <a:solidFill>
+                  <a:srgbClr val="000066"/>
+                </a:solidFill>
+                <a:effectLst/>
+                <a:latin typeface="微軟正黑體" pitchFamily="34" charset="-120"/>
+                <a:ea typeface="微軟正黑體" pitchFamily="34" charset="-120"/>
+              </a:rPr>
+              <a:t>許多次  我就像是那浮雲</a:t>
+            </a:r>
+            <a:endParaRPr lang="en-US" altLang="zh-TW" sz="6400" b="1" dirty="0">
+              <a:solidFill>
+                <a:srgbClr val="000066"/>
+              </a:solidFill>
+              <a:effectLst/>
+              <a:latin typeface="微軟正黑體" pitchFamily="34" charset="-120"/>
+              <a:ea typeface="微軟正黑體" pitchFamily="34" charset="-120"/>
+            </a:endParaRPr>
+          </a:p>
+          <a:p>
+            <a:pPr marL="0" indent="0" algn="ctr">
+              <a:buNone/>
+            </a:pPr>
+            <a:r>
+              <a:rPr lang="zh-TW" altLang="en-US" sz="6400" b="1" dirty="0">
+                <a:solidFill>
+                  <a:srgbClr val="000066"/>
+                </a:solidFill>
+                <a:effectLst/>
+                <a:latin typeface="微軟正黑體" pitchFamily="34" charset="-120"/>
+                <a:ea typeface="微軟正黑體" pitchFamily="34" charset="-120"/>
+              </a:rPr>
+              <a:t>不知要往哪裡去</a:t>
+            </a:r>
+            <a:endParaRPr lang="en-US" altLang="zh-TW" sz="6400" b="1" dirty="0">
+              <a:solidFill>
+                <a:srgbClr val="000066"/>
+              </a:solidFill>
+              <a:effectLst/>
+              <a:latin typeface="微軟正黑體" pitchFamily="34" charset="-120"/>
+              <a:ea typeface="微軟正黑體" pitchFamily="34" charset="-120"/>
+            </a:endParaRPr>
+          </a:p>
+        </p:txBody>
+      </p:sp>
+      <p:sp>
+        <p:nvSpPr>
+          <p:cNvPr id="3" name="TextBox 2"/>
+          <p:cNvSpPr txBox="1"/>
+          <p:nvPr/>
+        </p:nvSpPr>
+        <p:spPr>
+          <a:xfrm>
+            <a:off x="178" y="5373218"/>
+            <a:ext cx="12191823" cy="769441"/>
+          </a:xfrm>
+          <a:prstGeom prst="rect">
+            <a:avLst/>
+          </a:prstGeom>
+          <a:noFill/>
+        </p:spPr>
+        <p:txBody>
+          <a:bodyPr wrap="square" rtlCol="0" anchor="ctr">
+            <a:spAutoFit/>
+          </a:bodyPr>
+          <a:lstStyle/>
+          <a:p>
+            <a:pPr algn="ctr"/>
+            <a:r>
+              <a:rPr lang="en-US" sz="4400" b="1" dirty="0">
+                <a:solidFill>
+                  <a:srgbClr val="000066"/>
+                </a:solidFill>
+                <a:effectLst/>
                 <a:latin typeface="Microsoft JhengHei" panose="020B0604030504040204" pitchFamily="34" charset="-120"/>
                 <a:ea typeface="Microsoft JhengHei" panose="020B0604030504040204" pitchFamily="34" charset="-120"/>
               </a:rPr>
-              <a:t>改變</a:t>
-            </a:r>
-            <a:r>
-              <a:rPr lang="zh-TW" altLang="en-US" sz="4800" b="1" dirty="0" smtClean="0">
+              <a:t>( </a:t>
+            </a:r>
+            <a:r>
+              <a:rPr lang="zh-CN" altLang="en-US" sz="4400" b="1" dirty="0">
+                <a:solidFill>
+                  <a:srgbClr val="000066"/>
+                </a:solidFill>
+                <a:effectLst/>
                 <a:latin typeface="Microsoft JhengHei" panose="020B0604030504040204" pitchFamily="34" charset="-120"/>
                 <a:ea typeface="Microsoft JhengHei" panose="020B0604030504040204" pitchFamily="34" charset="-120"/>
               </a:rPr>
-              <a:t>我  改</a:t>
-            </a:r>
-            <a:r>
-              <a:rPr lang="zh-TW" altLang="en-US" sz="4800" b="1" dirty="0">
+              <a:t>正</a:t>
+            </a:r>
+            <a:r>
+              <a:rPr lang="en-US" sz="4400" b="1" dirty="0">
+                <a:solidFill>
+                  <a:srgbClr val="000066"/>
+                </a:solidFill>
+                <a:effectLst/>
                 <a:latin typeface="Microsoft JhengHei" panose="020B0604030504040204" pitchFamily="34" charset="-120"/>
                 <a:ea typeface="Microsoft JhengHei" panose="020B0604030504040204" pitchFamily="34" charset="-120"/>
               </a:rPr>
-              <a:t>變世界</a:t>
-            </a:r>
-            <a:endParaRPr lang="vi-VN" sz="4800" b="1" dirty="0">
-              <a:ea typeface="Microsoft JhengHei" panose="020B0604030504040204" pitchFamily="34" charset="-120"/>
-            </a:endParaRPr>
-          </a:p>
-        </p:txBody>
-      </p:sp>
-      <p:sp>
-        <p:nvSpPr>
-          <p:cNvPr id="3" name="Content Placeholder 2"/>
-          <p:cNvSpPr>
-            <a:spLocks noGrp="1"/>
-          </p:cNvSpPr>
-          <p:nvPr>
-            <p:ph idx="1"/>
-          </p:nvPr>
-        </p:nvSpPr>
-        <p:spPr/>
-        <p:txBody>
-          <a:bodyPr>
-            <a:normAutofit/>
-          </a:bodyPr>
-          <a:lstStyle/>
-          <a:p>
-            <a:pPr marL="0" indent="0" algn="ctr">
-              <a:buNone/>
-            </a:pPr>
-            <a:r>
-              <a:rPr lang="zh-TW" altLang="en-US" sz="5400" b="1" dirty="0">
-                <a:latin typeface="Microsoft JhengHei" panose="020B0604030504040204" pitchFamily="34" charset="-120"/>
-                <a:ea typeface="Microsoft JhengHei" panose="020B0604030504040204" pitchFamily="34" charset="-120"/>
-              </a:rPr>
-              <a:t>耶穌我懇</a:t>
-            </a:r>
-            <a:r>
-              <a:rPr lang="zh-TW" altLang="en-US" sz="5400" b="1" dirty="0" smtClean="0">
-                <a:latin typeface="Microsoft JhengHei" panose="020B0604030504040204" pitchFamily="34" charset="-120"/>
-                <a:ea typeface="Microsoft JhengHei" panose="020B0604030504040204" pitchFamily="34" charset="-120"/>
-              </a:rPr>
-              <a:t>求</a:t>
-            </a:r>
-            <a:r>
-              <a:rPr lang="zh-CN" altLang="en-US" sz="5400" b="1" dirty="0" smtClean="0">
-                <a:latin typeface="Microsoft JhengHei" panose="020B0604030504040204" pitchFamily="34" charset="-120"/>
-                <a:ea typeface="Microsoft JhengHei" panose="020B0604030504040204" pitchFamily="34" charset="-120"/>
-              </a:rPr>
-              <a:t>袮  </a:t>
-            </a:r>
-            <a:r>
-              <a:rPr lang="zh-TW" altLang="en-US" sz="5400" b="1" dirty="0" smtClean="0">
-                <a:latin typeface="Microsoft JhengHei" panose="020B0604030504040204" pitchFamily="34" charset="-120"/>
-                <a:ea typeface="Microsoft JhengHei" panose="020B0604030504040204" pitchFamily="34" charset="-120"/>
-              </a:rPr>
-              <a:t>來</a:t>
-            </a:r>
-            <a:r>
-              <a:rPr lang="zh-TW" altLang="en-US" sz="5400" b="1" dirty="0">
-                <a:latin typeface="Microsoft JhengHei" panose="020B0604030504040204" pitchFamily="34" charset="-120"/>
-                <a:ea typeface="Microsoft JhengHei" panose="020B0604030504040204" pitchFamily="34" charset="-120"/>
-              </a:rPr>
-              <a:t>改變我的生</a:t>
-            </a:r>
-            <a:r>
-              <a:rPr lang="zh-TW" altLang="en-US" sz="5400" b="1" dirty="0">
-                <a:latin typeface="Microsoft JhengHei" panose="020B0604030504040204" pitchFamily="34" charset="-120"/>
-                <a:ea typeface="Microsoft JhengHei" panose="020B0604030504040204" pitchFamily="34" charset="-120"/>
-              </a:rPr>
-              <a:t>命</a:t>
-            </a:r>
-            <a:endParaRPr lang="en-US" altLang="zh-TW" sz="5400" b="1" dirty="0">
-              <a:latin typeface="Microsoft JhengHei" panose="020B0604030504040204" pitchFamily="34" charset="-120"/>
-              <a:ea typeface="Microsoft JhengHei" panose="020B0604030504040204" pitchFamily="34" charset="-120"/>
-            </a:endParaRPr>
-          </a:p>
-          <a:p>
-            <a:pPr marL="0" indent="0" algn="ctr">
-              <a:buNone/>
-            </a:pPr>
-            <a:r>
-              <a:rPr lang="zh-TW" altLang="en-US" sz="5400" b="1" dirty="0">
-                <a:latin typeface="Microsoft JhengHei" panose="020B0604030504040204" pitchFamily="34" charset="-120"/>
-                <a:ea typeface="Microsoft JhengHei" panose="020B0604030504040204" pitchFamily="34" charset="-120"/>
-              </a:rPr>
-              <a:t>使</a:t>
-            </a:r>
-            <a:r>
-              <a:rPr lang="zh-TW" altLang="en-US" sz="5400" b="1" dirty="0">
-                <a:latin typeface="Microsoft JhengHei" panose="020B0604030504040204" pitchFamily="34" charset="-120"/>
-                <a:ea typeface="Microsoft JhengHei" panose="020B0604030504040204" pitchFamily="34" charset="-120"/>
-              </a:rPr>
-              <a:t>我在患難之中喜樂與剛</a:t>
-            </a:r>
-            <a:r>
-              <a:rPr lang="zh-TW" altLang="en-US" sz="5400" b="1" dirty="0">
-                <a:latin typeface="Microsoft JhengHei" panose="020B0604030504040204" pitchFamily="34" charset="-120"/>
-                <a:ea typeface="Microsoft JhengHei" panose="020B0604030504040204" pitchFamily="34" charset="-120"/>
-              </a:rPr>
-              <a:t>強</a:t>
-            </a:r>
-            <a:endParaRPr lang="en-US" altLang="zh-TW" sz="5400" b="1" dirty="0">
-              <a:latin typeface="Microsoft JhengHei" panose="020B0604030504040204" pitchFamily="34" charset="-120"/>
-              <a:ea typeface="Microsoft JhengHei" panose="020B0604030504040204" pitchFamily="34" charset="-120"/>
-            </a:endParaRPr>
-          </a:p>
-          <a:p>
-            <a:pPr marL="0" indent="0" algn="ctr">
-              <a:buNone/>
-            </a:pPr>
-            <a:r>
-              <a:rPr lang="zh-TW" altLang="en-US" sz="5400" b="1" dirty="0">
-                <a:latin typeface="Microsoft JhengHei" panose="020B0604030504040204" pitchFamily="34" charset="-120"/>
-                <a:ea typeface="Microsoft JhengHei" panose="020B0604030504040204" pitchFamily="34" charset="-120"/>
-              </a:rPr>
-              <a:t>耶</a:t>
-            </a:r>
-            <a:r>
-              <a:rPr lang="zh-TW" altLang="en-US" sz="5400" b="1" dirty="0">
-                <a:latin typeface="Microsoft JhengHei" panose="020B0604030504040204" pitchFamily="34" charset="-120"/>
-                <a:ea typeface="Microsoft JhengHei" panose="020B0604030504040204" pitchFamily="34" charset="-120"/>
-              </a:rPr>
-              <a:t>穌我懇</a:t>
-            </a:r>
-            <a:r>
-              <a:rPr lang="zh-TW" altLang="en-US" sz="5400" b="1" dirty="0" smtClean="0">
-                <a:latin typeface="Microsoft JhengHei" panose="020B0604030504040204" pitchFamily="34" charset="-120"/>
-                <a:ea typeface="Microsoft JhengHei" panose="020B0604030504040204" pitchFamily="34" charset="-120"/>
-              </a:rPr>
-              <a:t>求</a:t>
-            </a:r>
-            <a:r>
-              <a:rPr lang="zh-CN" altLang="en-US" sz="5400" b="1" dirty="0">
-                <a:latin typeface="Microsoft JhengHei" panose="020B0604030504040204" pitchFamily="34" charset="-120"/>
-                <a:ea typeface="Microsoft JhengHei" panose="020B0604030504040204" pitchFamily="34" charset="-120"/>
-              </a:rPr>
-              <a:t>袮</a:t>
-            </a:r>
-            <a:endParaRPr lang="en-US" altLang="zh-TW" sz="5400" b="1" dirty="0">
-              <a:latin typeface="Microsoft JhengHei" panose="020B0604030504040204" pitchFamily="34" charset="-120"/>
-              <a:ea typeface="Microsoft JhengHei" panose="020B0604030504040204" pitchFamily="34" charset="-120"/>
-            </a:endParaRPr>
-          </a:p>
-          <a:p>
-            <a:pPr marL="0" indent="0" algn="ctr">
-              <a:buNone/>
-            </a:pPr>
-            <a:r>
-              <a:rPr lang="zh-TW" altLang="en-US" sz="5400" b="1" dirty="0">
-                <a:latin typeface="Microsoft JhengHei" panose="020B0604030504040204" pitchFamily="34" charset="-120"/>
-                <a:ea typeface="Microsoft JhengHei" panose="020B0604030504040204" pitchFamily="34" charset="-120"/>
-              </a:rPr>
-              <a:t>使</a:t>
-            </a:r>
-            <a:r>
-              <a:rPr lang="zh-TW" altLang="en-US" sz="5400" b="1" dirty="0">
-                <a:latin typeface="Microsoft JhengHei" panose="020B0604030504040204" pitchFamily="34" charset="-120"/>
-                <a:ea typeface="Microsoft JhengHei" panose="020B0604030504040204" pitchFamily="34" charset="-120"/>
-              </a:rPr>
-              <a:t>用我來改變這個世</a:t>
-            </a:r>
-            <a:r>
-              <a:rPr lang="zh-TW" altLang="en-US" sz="5400" b="1" dirty="0">
-                <a:latin typeface="Microsoft JhengHei" panose="020B0604030504040204" pitchFamily="34" charset="-120"/>
-                <a:ea typeface="Microsoft JhengHei" panose="020B0604030504040204" pitchFamily="34" charset="-120"/>
-              </a:rPr>
-              <a:t>界</a:t>
-            </a:r>
-            <a:endParaRPr lang="vi-VN" sz="5400" b="1" dirty="0">
-              <a:latin typeface="Microsoft JhengHei" panose="020B0604030504040204" pitchFamily="34" charset="-120"/>
+              <a:t> )</a:t>
+            </a:r>
+            <a:endParaRPr lang="vi-VN" sz="4400" b="1" dirty="0">
+              <a:solidFill>
+                <a:srgbClr val="000066"/>
+              </a:solidFill>
+              <a:effectLst/>
               <a:ea typeface="Microsoft JhengHei" panose="020B0604030504040204" pitchFamily="34" charset="-120"/>
             </a:endParaRPr>
           </a:p>
@@ -3586,7 +3328,7 @@
     </p:spTree>
     <p:extLst>
       <p:ext uri="{BB962C8B-B14F-4D97-AF65-F5344CB8AC3E}">
-        <p14:creationId xmlns:p14="http://schemas.microsoft.com/office/powerpoint/2010/main" val="3355045454"/>
+        <p14:creationId xmlns:p14="http://schemas.microsoft.com/office/powerpoint/2010/main" val="1682352524"/>
       </p:ext>
     </p:extLst>
   </p:cSld>
@@ -3615,90 +3357,755 @@
       </p:grpSpPr>
       <p:sp>
         <p:nvSpPr>
-          <p:cNvPr id="2" name="Title 1"/>
-          <p:cNvSpPr>
-            <a:spLocks noGrp="1"/>
-          </p:cNvSpPr>
-          <p:nvPr>
-            <p:ph type="title"/>
-          </p:nvPr>
-        </p:nvSpPr>
-        <p:spPr/>
-        <p:txBody>
-          <a:bodyPr>
+          <p:cNvPr id="5" name="內容版面配置區 4"/>
+          <p:cNvSpPr>
+            <a:spLocks noGrp="1"/>
+          </p:cNvSpPr>
+          <p:nvPr>
+            <p:ph idx="1"/>
+          </p:nvPr>
+        </p:nvSpPr>
+        <p:spPr>
+          <a:xfrm>
+            <a:off x="0" y="2084851"/>
+            <a:ext cx="12192000" cy="2404863"/>
+          </a:xfrm>
+        </p:spPr>
+        <p:txBody>
+          <a:bodyPr anchor="ctr">
             <a:normAutofit/>
           </a:bodyPr>
           <a:lstStyle/>
           <a:p>
-            <a:r>
-              <a:rPr lang="zh-TW" altLang="en-US" sz="4800" b="1" dirty="0">
+            <a:pPr marL="0" indent="0" algn="ctr">
+              <a:buNone/>
+            </a:pPr>
+            <a:r>
+              <a:rPr lang="zh-TW" altLang="en-US" sz="6400" b="1" dirty="0">
+                <a:solidFill>
+                  <a:srgbClr val="000066"/>
+                </a:solidFill>
                 <a:latin typeface="Microsoft JhengHei" panose="020B0604030504040204" pitchFamily="34" charset="-120"/>
                 <a:ea typeface="Microsoft JhengHei" panose="020B0604030504040204" pitchFamily="34" charset="-120"/>
               </a:rPr>
-              <a:t>改變</a:t>
-            </a:r>
-            <a:r>
-              <a:rPr lang="zh-TW" altLang="en-US" sz="4800" b="1" dirty="0" smtClean="0">
+              <a:t>而如今我可以停止追尋</a:t>
+            </a:r>
+            <a:endParaRPr lang="en-US" altLang="zh-TW" sz="6400" b="1" dirty="0">
+              <a:solidFill>
+                <a:srgbClr val="000066"/>
+              </a:solidFill>
+              <a:effectLst/>
+              <a:latin typeface="微軟正黑體" pitchFamily="34" charset="-120"/>
+              <a:ea typeface="微軟正黑體" pitchFamily="34" charset="-120"/>
+            </a:endParaRPr>
+          </a:p>
+        </p:txBody>
+      </p:sp>
+      <p:sp>
+        <p:nvSpPr>
+          <p:cNvPr id="3" name="TextBox 2"/>
+          <p:cNvSpPr txBox="1"/>
+          <p:nvPr/>
+        </p:nvSpPr>
+        <p:spPr>
+          <a:xfrm>
+            <a:off x="178" y="5373218"/>
+            <a:ext cx="12191823" cy="769441"/>
+          </a:xfrm>
+          <a:prstGeom prst="rect">
+            <a:avLst/>
+          </a:prstGeom>
+          <a:noFill/>
+        </p:spPr>
+        <p:txBody>
+          <a:bodyPr wrap="square" rtlCol="0" anchor="ctr">
+            <a:spAutoFit/>
+          </a:bodyPr>
+          <a:lstStyle/>
+          <a:p>
+            <a:pPr algn="ctr"/>
+            <a:r>
+              <a:rPr lang="en-US" sz="4400" b="1" dirty="0">
+                <a:solidFill>
+                  <a:srgbClr val="000066"/>
+                </a:solidFill>
+                <a:effectLst/>
                 <a:latin typeface="Microsoft JhengHei" panose="020B0604030504040204" pitchFamily="34" charset="-120"/>
                 <a:ea typeface="Microsoft JhengHei" panose="020B0604030504040204" pitchFamily="34" charset="-120"/>
               </a:rPr>
-              <a:t>我  改</a:t>
-            </a:r>
-            <a:r>
-              <a:rPr lang="zh-TW" altLang="en-US" sz="4800" b="1" dirty="0">
+              <a:t>( </a:t>
+            </a:r>
+            <a:r>
+              <a:rPr lang="zh-CN" altLang="en-US" sz="4400" b="1" dirty="0">
+                <a:solidFill>
+                  <a:srgbClr val="000066"/>
+                </a:solidFill>
+                <a:effectLst/>
                 <a:latin typeface="Microsoft JhengHei" panose="020B0604030504040204" pitchFamily="34" charset="-120"/>
                 <a:ea typeface="Microsoft JhengHei" panose="020B0604030504040204" pitchFamily="34" charset="-120"/>
               </a:rPr>
-              <a:t>變世界</a:t>
-            </a:r>
-            <a:endParaRPr lang="vi-VN" sz="4800" b="1" dirty="0">
-              <a:ea typeface="Microsoft JhengHei" panose="020B0604030504040204" pitchFamily="34" charset="-120"/>
-            </a:endParaRPr>
-          </a:p>
-        </p:txBody>
-      </p:sp>
-      <p:sp>
-        <p:nvSpPr>
-          <p:cNvPr id="3" name="Content Placeholder 2"/>
-          <p:cNvSpPr>
-            <a:spLocks noGrp="1"/>
-          </p:cNvSpPr>
-          <p:nvPr>
-            <p:ph idx="1"/>
-          </p:nvPr>
-        </p:nvSpPr>
-        <p:spPr/>
-        <p:txBody>
-          <a:bodyPr>
-            <a:normAutofit/>
-          </a:bodyPr>
-          <a:lstStyle/>
-          <a:p>
-            <a:pPr marL="0" indent="0" algn="ctr">
-              <a:buNone/>
-            </a:pPr>
-            <a:r>
-              <a:rPr lang="zh-TW" altLang="en-US" sz="5400" b="1" dirty="0">
+              <a:t>正</a:t>
+            </a:r>
+            <a:r>
+              <a:rPr lang="en-US" sz="4400" b="1" dirty="0">
+                <a:solidFill>
+                  <a:srgbClr val="000066"/>
+                </a:solidFill>
+                <a:effectLst/>
                 <a:latin typeface="Microsoft JhengHei" panose="020B0604030504040204" pitchFamily="34" charset="-120"/>
                 <a:ea typeface="Microsoft JhengHei" panose="020B0604030504040204" pitchFamily="34" charset="-120"/>
               </a:rPr>
-              <a:t>賜</a:t>
-            </a:r>
-            <a:r>
-              <a:rPr lang="zh-TW" altLang="en-US" sz="5400" b="1" dirty="0">
+              <a:t> )</a:t>
+            </a:r>
+            <a:endParaRPr lang="vi-VN" sz="4400" b="1" dirty="0">
+              <a:solidFill>
+                <a:srgbClr val="000066"/>
+              </a:solidFill>
+              <a:effectLst/>
+              <a:ea typeface="Microsoft JhengHei" panose="020B0604030504040204" pitchFamily="34" charset="-120"/>
+            </a:endParaRPr>
+          </a:p>
+        </p:txBody>
+      </p:sp>
+    </p:spTree>
+    <p:extLst>
+      <p:ext uri="{BB962C8B-B14F-4D97-AF65-F5344CB8AC3E}">
+        <p14:creationId xmlns:p14="http://schemas.microsoft.com/office/powerpoint/2010/main" val="747935753"/>
+      </p:ext>
+    </p:extLst>
+  </p:cSld>
+  <p:clrMapOvr>
+    <a:masterClrMapping/>
+  </p:clrMapOvr>
+</p:sld>
+</file>
+
+<file path=ppt/slides/slide4.xml><?xml version="1.0" encoding="utf-8"?>
+<p:sld xmlns:a="http://schemas.openxmlformats.org/drawingml/2006/main" xmlns:r="http://schemas.openxmlformats.org/officeDocument/2006/relationships" xmlns:p="http://schemas.openxmlformats.org/presentationml/2006/main">
+  <p:cSld>
+    <p:spTree>
+      <p:nvGrpSpPr>
+        <p:cNvPr id="1" name=""/>
+        <p:cNvGrpSpPr/>
+        <p:nvPr/>
+      </p:nvGrpSpPr>
+      <p:grpSpPr>
+        <a:xfrm>
+          <a:off x="0" y="0"/>
+          <a:ext cx="0" cy="0"/>
+          <a:chOff x="0" y="0"/>
+          <a:chExt cx="0" cy="0"/>
+        </a:xfrm>
+      </p:grpSpPr>
+      <p:sp>
+        <p:nvSpPr>
+          <p:cNvPr id="5" name="內容版面配置區 4"/>
+          <p:cNvSpPr>
+            <a:spLocks noGrp="1"/>
+          </p:cNvSpPr>
+          <p:nvPr>
+            <p:ph idx="1"/>
+          </p:nvPr>
+        </p:nvSpPr>
+        <p:spPr>
+          <a:xfrm>
+            <a:off x="0" y="2084851"/>
+            <a:ext cx="12192000" cy="2404863"/>
+          </a:xfrm>
+        </p:spPr>
+        <p:txBody>
+          <a:bodyPr anchor="ctr">
+            <a:normAutofit/>
+          </a:bodyPr>
+          <a:lstStyle/>
+          <a:p>
+            <a:pPr marL="0" indent="0" algn="ctr">
+              <a:buNone/>
+            </a:pPr>
+            <a:r>
+              <a:rPr lang="zh-TW" altLang="en-US" sz="6400" b="1" dirty="0">
+                <a:solidFill>
+                  <a:srgbClr val="000066"/>
+                </a:solidFill>
                 <a:latin typeface="Microsoft JhengHei" panose="020B0604030504040204" pitchFamily="34" charset="-120"/>
                 <a:ea typeface="Microsoft JhengHei" panose="020B0604030504040204" pitchFamily="34" charset="-120"/>
               </a:rPr>
-              <a:t>我信心與勇</a:t>
-            </a:r>
-            <a:r>
-              <a:rPr lang="zh-TW" altLang="en-US" sz="5400" b="1" dirty="0">
+              <a:t>是</a:t>
+            </a:r>
+            <a:r>
+              <a:rPr lang="zh-CN" altLang="en-US" sz="6400" b="1" dirty="0">
+                <a:solidFill>
+                  <a:srgbClr val="000066"/>
+                </a:solidFill>
+                <a:latin typeface="Microsoft JhengHei" panose="020B0604030504040204" pitchFamily="34" charset="-120"/>
+                <a:ea typeface="Microsoft JhengHei" panose="020B0604030504040204" pitchFamily="34" charset="-120"/>
+              </a:rPr>
+              <a:t>袮</a:t>
+            </a:r>
+            <a:r>
+              <a:rPr lang="zh-TW" altLang="en-US" sz="6400" b="1" dirty="0">
+                <a:solidFill>
+                  <a:srgbClr val="000066"/>
+                </a:solidFill>
+                <a:latin typeface="Microsoft JhengHei" panose="020B0604030504040204" pitchFamily="34" charset="-120"/>
+                <a:ea typeface="Microsoft JhengHei" panose="020B0604030504040204" pitchFamily="34" charset="-120"/>
+              </a:rPr>
+              <a:t>的愛填滿我心</a:t>
+            </a:r>
+            <a:endParaRPr lang="en-US" altLang="zh-TW" sz="6400" b="1" dirty="0">
+              <a:solidFill>
+                <a:srgbClr val="000066"/>
+              </a:solidFill>
+              <a:latin typeface="Microsoft JhengHei" panose="020B0604030504040204" pitchFamily="34" charset="-120"/>
+              <a:ea typeface="Microsoft JhengHei" panose="020B0604030504040204" pitchFamily="34" charset="-120"/>
+            </a:endParaRPr>
+          </a:p>
+          <a:p>
+            <a:pPr marL="0" indent="0" algn="ctr">
+              <a:buNone/>
+            </a:pPr>
+            <a:r>
+              <a:rPr lang="zh-TW" altLang="en-US" sz="6400" b="1" dirty="0">
+                <a:solidFill>
+                  <a:srgbClr val="000066"/>
+                </a:solidFill>
+                <a:latin typeface="Microsoft JhengHei" panose="020B0604030504040204" pitchFamily="34" charset="-120"/>
+                <a:ea typeface="Microsoft JhengHei" panose="020B0604030504040204" pitchFamily="34" charset="-120"/>
+              </a:rPr>
+              <a:t>引領我與</a:t>
+            </a:r>
+            <a:r>
+              <a:rPr lang="zh-CN" altLang="en-US" sz="6400" b="1" dirty="0">
+                <a:solidFill>
+                  <a:srgbClr val="000066"/>
+                </a:solidFill>
+                <a:latin typeface="Microsoft JhengHei" panose="020B0604030504040204" pitchFamily="34" charset="-120"/>
+                <a:ea typeface="Microsoft JhengHei" panose="020B0604030504040204" pitchFamily="34" charset="-120"/>
+              </a:rPr>
+              <a:t>袮</a:t>
+            </a:r>
+            <a:r>
+              <a:rPr lang="zh-TW" altLang="en-US" sz="6400" b="1" dirty="0">
+                <a:solidFill>
+                  <a:srgbClr val="000066"/>
+                </a:solidFill>
+                <a:latin typeface="Microsoft JhengHei" panose="020B0604030504040204" pitchFamily="34" charset="-120"/>
+                <a:ea typeface="Microsoft JhengHei" panose="020B0604030504040204" pitchFamily="34" charset="-120"/>
+              </a:rPr>
+              <a:t>同行</a:t>
+            </a:r>
+            <a:endParaRPr lang="en-US" altLang="zh-TW" sz="6400" b="1" dirty="0">
+              <a:solidFill>
+                <a:srgbClr val="000066"/>
+              </a:solidFill>
+              <a:effectLst/>
+              <a:latin typeface="微軟正黑體" pitchFamily="34" charset="-120"/>
+              <a:ea typeface="微軟正黑體" pitchFamily="34" charset="-120"/>
+            </a:endParaRPr>
+          </a:p>
+        </p:txBody>
+      </p:sp>
+      <p:sp>
+        <p:nvSpPr>
+          <p:cNvPr id="3" name="TextBox 2"/>
+          <p:cNvSpPr txBox="1"/>
+          <p:nvPr/>
+        </p:nvSpPr>
+        <p:spPr>
+          <a:xfrm>
+            <a:off x="178" y="5373218"/>
+            <a:ext cx="12191823" cy="769441"/>
+          </a:xfrm>
+          <a:prstGeom prst="rect">
+            <a:avLst/>
+          </a:prstGeom>
+          <a:noFill/>
+        </p:spPr>
+        <p:txBody>
+          <a:bodyPr wrap="square" rtlCol="0" anchor="ctr">
+            <a:spAutoFit/>
+          </a:bodyPr>
+          <a:lstStyle/>
+          <a:p>
+            <a:pPr algn="ctr"/>
+            <a:r>
+              <a:rPr lang="en-US" sz="4400" b="1" dirty="0">
+                <a:solidFill>
+                  <a:srgbClr val="000066"/>
+                </a:solidFill>
+                <a:effectLst/>
+                <a:latin typeface="Microsoft JhengHei" panose="020B0604030504040204" pitchFamily="34" charset="-120"/>
+                <a:ea typeface="Microsoft JhengHei" panose="020B0604030504040204" pitchFamily="34" charset="-120"/>
+              </a:rPr>
+              <a:t>( </a:t>
+            </a:r>
+            <a:r>
+              <a:rPr lang="zh-CN" altLang="en-US" sz="4400" b="1" dirty="0">
+                <a:solidFill>
+                  <a:srgbClr val="000066"/>
+                </a:solidFill>
+                <a:effectLst/>
+                <a:latin typeface="Microsoft JhengHei" panose="020B0604030504040204" pitchFamily="34" charset="-120"/>
+                <a:ea typeface="Microsoft JhengHei" panose="020B0604030504040204" pitchFamily="34" charset="-120"/>
+              </a:rPr>
+              <a:t>正</a:t>
+            </a:r>
+            <a:r>
+              <a:rPr lang="en-US" sz="4400" b="1" dirty="0">
+                <a:solidFill>
+                  <a:srgbClr val="000066"/>
+                </a:solidFill>
+                <a:effectLst/>
+                <a:latin typeface="Microsoft JhengHei" panose="020B0604030504040204" pitchFamily="34" charset="-120"/>
+                <a:ea typeface="Microsoft JhengHei" panose="020B0604030504040204" pitchFamily="34" charset="-120"/>
+              </a:rPr>
+              <a:t> )</a:t>
+            </a:r>
+            <a:endParaRPr lang="vi-VN" sz="4400" b="1" dirty="0">
+              <a:solidFill>
+                <a:srgbClr val="000066"/>
+              </a:solidFill>
+              <a:effectLst/>
+              <a:ea typeface="Microsoft JhengHei" panose="020B0604030504040204" pitchFamily="34" charset="-120"/>
+            </a:endParaRPr>
+          </a:p>
+        </p:txBody>
+      </p:sp>
+    </p:spTree>
+    <p:extLst>
+      <p:ext uri="{BB962C8B-B14F-4D97-AF65-F5344CB8AC3E}">
+        <p14:creationId xmlns:p14="http://schemas.microsoft.com/office/powerpoint/2010/main" val="3566768684"/>
+      </p:ext>
+    </p:extLst>
+  </p:cSld>
+  <p:clrMapOvr>
+    <a:masterClrMapping/>
+  </p:clrMapOvr>
+</p:sld>
+</file>
+
+<file path=ppt/slides/slide5.xml><?xml version="1.0" encoding="utf-8"?>
+<p:sld xmlns:a="http://schemas.openxmlformats.org/drawingml/2006/main" xmlns:r="http://schemas.openxmlformats.org/officeDocument/2006/relationships" xmlns:p="http://schemas.openxmlformats.org/presentationml/2006/main">
+  <p:cSld>
+    <p:spTree>
+      <p:nvGrpSpPr>
+        <p:cNvPr id="1" name=""/>
+        <p:cNvGrpSpPr/>
+        <p:nvPr/>
+      </p:nvGrpSpPr>
+      <p:grpSpPr>
+        <a:xfrm>
+          <a:off x="0" y="0"/>
+          <a:ext cx="0" cy="0"/>
+          <a:chOff x="0" y="0"/>
+          <a:chExt cx="0" cy="0"/>
+        </a:xfrm>
+      </p:grpSpPr>
+      <p:sp>
+        <p:nvSpPr>
+          <p:cNvPr id="5" name="內容版面配置區 4"/>
+          <p:cNvSpPr>
+            <a:spLocks noGrp="1"/>
+          </p:cNvSpPr>
+          <p:nvPr>
+            <p:ph idx="1"/>
+          </p:nvPr>
+        </p:nvSpPr>
+        <p:spPr>
+          <a:xfrm>
+            <a:off x="0" y="2084851"/>
+            <a:ext cx="12192000" cy="2404863"/>
+          </a:xfrm>
+        </p:spPr>
+        <p:txBody>
+          <a:bodyPr anchor="ctr">
+            <a:normAutofit/>
+          </a:bodyPr>
+          <a:lstStyle/>
+          <a:p>
+            <a:pPr marL="0" indent="0" algn="ctr">
+              <a:buNone/>
+            </a:pPr>
+            <a:r>
+              <a:rPr lang="zh-TW" altLang="en-US" sz="6400" b="1" dirty="0">
+                <a:solidFill>
+                  <a:srgbClr val="000066"/>
+                </a:solidFill>
+                <a:latin typeface="Microsoft JhengHei" panose="020B0604030504040204" pitchFamily="34" charset="-120"/>
+                <a:ea typeface="Microsoft JhengHei" panose="020B0604030504040204" pitchFamily="34" charset="-120"/>
+              </a:rPr>
+              <a:t>耶穌我懇求</a:t>
+            </a:r>
+            <a:r>
+              <a:rPr lang="zh-CN" altLang="en-US" sz="6400" b="1" dirty="0">
+                <a:solidFill>
+                  <a:srgbClr val="000066"/>
+                </a:solidFill>
+                <a:latin typeface="Microsoft JhengHei" panose="020B0604030504040204" pitchFamily="34" charset="-120"/>
+                <a:ea typeface="Microsoft JhengHei" panose="020B0604030504040204" pitchFamily="34" charset="-120"/>
+              </a:rPr>
+              <a:t>袮  </a:t>
+            </a:r>
+            <a:r>
+              <a:rPr lang="zh-TW" altLang="en-US" sz="6400" b="1" dirty="0">
+                <a:solidFill>
+                  <a:srgbClr val="000066"/>
+                </a:solidFill>
+                <a:latin typeface="Microsoft JhengHei" panose="020B0604030504040204" pitchFamily="34" charset="-120"/>
+                <a:ea typeface="Microsoft JhengHei" panose="020B0604030504040204" pitchFamily="34" charset="-120"/>
+              </a:rPr>
+              <a:t>來改變我的生命</a:t>
+            </a:r>
+            <a:endParaRPr lang="en-US" altLang="zh-TW" sz="6400" b="1" dirty="0">
+              <a:solidFill>
+                <a:srgbClr val="000066"/>
+              </a:solidFill>
+              <a:latin typeface="Microsoft JhengHei" panose="020B0604030504040204" pitchFamily="34" charset="-120"/>
+              <a:ea typeface="Microsoft JhengHei" panose="020B0604030504040204" pitchFamily="34" charset="-120"/>
+            </a:endParaRPr>
+          </a:p>
+          <a:p>
+            <a:pPr marL="0" indent="0" algn="ctr">
+              <a:buNone/>
+            </a:pPr>
+            <a:r>
+              <a:rPr lang="zh-TW" altLang="en-US" sz="6400" b="1" dirty="0">
+                <a:solidFill>
+                  <a:srgbClr val="000066"/>
+                </a:solidFill>
+                <a:latin typeface="Microsoft JhengHei" panose="020B0604030504040204" pitchFamily="34" charset="-120"/>
+                <a:ea typeface="Microsoft JhengHei" panose="020B0604030504040204" pitchFamily="34" charset="-120"/>
+              </a:rPr>
+              <a:t>使我在患難之中喜樂與剛強</a:t>
+            </a:r>
+            <a:endParaRPr lang="en-US" altLang="zh-TW" sz="6400" b="1" dirty="0">
+              <a:solidFill>
+                <a:srgbClr val="000066"/>
+              </a:solidFill>
+              <a:latin typeface="Microsoft JhengHei" panose="020B0604030504040204" pitchFamily="34" charset="-120"/>
+              <a:ea typeface="Microsoft JhengHei" panose="020B0604030504040204" pitchFamily="34" charset="-120"/>
+            </a:endParaRPr>
+          </a:p>
+        </p:txBody>
+      </p:sp>
+      <p:sp>
+        <p:nvSpPr>
+          <p:cNvPr id="3" name="TextBox 2"/>
+          <p:cNvSpPr txBox="1"/>
+          <p:nvPr/>
+        </p:nvSpPr>
+        <p:spPr>
+          <a:xfrm>
+            <a:off x="178" y="5373218"/>
+            <a:ext cx="12191823" cy="769441"/>
+          </a:xfrm>
+          <a:prstGeom prst="rect">
+            <a:avLst/>
+          </a:prstGeom>
+          <a:noFill/>
+        </p:spPr>
+        <p:txBody>
+          <a:bodyPr wrap="square" rtlCol="0" anchor="ctr">
+            <a:spAutoFit/>
+          </a:bodyPr>
+          <a:lstStyle/>
+          <a:p>
+            <a:pPr algn="ctr"/>
+            <a:r>
+              <a:rPr lang="en-US" sz="4400" b="1" dirty="0">
+                <a:solidFill>
+                  <a:srgbClr val="000066"/>
+                </a:solidFill>
+                <a:effectLst/>
+                <a:latin typeface="Microsoft JhengHei" panose="020B0604030504040204" pitchFamily="34" charset="-120"/>
+                <a:ea typeface="Microsoft JhengHei" panose="020B0604030504040204" pitchFamily="34" charset="-120"/>
+              </a:rPr>
+              <a:t>( </a:t>
+            </a:r>
+            <a:r>
+              <a:rPr lang="zh-CN" altLang="en-US" sz="4400" b="1" dirty="0">
+                <a:solidFill>
+                  <a:srgbClr val="000066"/>
+                </a:solidFill>
+                <a:effectLst/>
+                <a:latin typeface="Microsoft JhengHei" panose="020B0604030504040204" pitchFamily="34" charset="-120"/>
+                <a:ea typeface="Microsoft JhengHei" panose="020B0604030504040204" pitchFamily="34" charset="-120"/>
+              </a:rPr>
+              <a:t>副</a:t>
+            </a:r>
+            <a:r>
+              <a:rPr lang="en-US" sz="4400" b="1" dirty="0">
+                <a:solidFill>
+                  <a:srgbClr val="000066"/>
+                </a:solidFill>
+                <a:effectLst/>
+                <a:latin typeface="Microsoft JhengHei" panose="020B0604030504040204" pitchFamily="34" charset="-120"/>
+                <a:ea typeface="Microsoft JhengHei" panose="020B0604030504040204" pitchFamily="34" charset="-120"/>
+              </a:rPr>
+              <a:t> )</a:t>
+            </a:r>
+            <a:endParaRPr lang="vi-VN" sz="4400" b="1" dirty="0">
+              <a:solidFill>
+                <a:srgbClr val="000066"/>
+              </a:solidFill>
+              <a:effectLst/>
+              <a:ea typeface="Microsoft JhengHei" panose="020B0604030504040204" pitchFamily="34" charset="-120"/>
+            </a:endParaRPr>
+          </a:p>
+        </p:txBody>
+      </p:sp>
+    </p:spTree>
+    <p:extLst>
+      <p:ext uri="{BB962C8B-B14F-4D97-AF65-F5344CB8AC3E}">
+        <p14:creationId xmlns:p14="http://schemas.microsoft.com/office/powerpoint/2010/main" val="3135385583"/>
+      </p:ext>
+    </p:extLst>
+  </p:cSld>
+  <p:clrMapOvr>
+    <a:masterClrMapping/>
+  </p:clrMapOvr>
+</p:sld>
+</file>
+
+<file path=ppt/slides/slide6.xml><?xml version="1.0" encoding="utf-8"?>
+<p:sld xmlns:a="http://schemas.openxmlformats.org/drawingml/2006/main" xmlns:r="http://schemas.openxmlformats.org/officeDocument/2006/relationships" xmlns:p="http://schemas.openxmlformats.org/presentationml/2006/main">
+  <p:cSld>
+    <p:spTree>
+      <p:nvGrpSpPr>
+        <p:cNvPr id="1" name=""/>
+        <p:cNvGrpSpPr/>
+        <p:nvPr/>
+      </p:nvGrpSpPr>
+      <p:grpSpPr>
+        <a:xfrm>
+          <a:off x="0" y="0"/>
+          <a:ext cx="0" cy="0"/>
+          <a:chOff x="0" y="0"/>
+          <a:chExt cx="0" cy="0"/>
+        </a:xfrm>
+      </p:grpSpPr>
+      <p:sp>
+        <p:nvSpPr>
+          <p:cNvPr id="5" name="內容版面配置區 4"/>
+          <p:cNvSpPr>
+            <a:spLocks noGrp="1"/>
+          </p:cNvSpPr>
+          <p:nvPr>
+            <p:ph idx="1"/>
+          </p:nvPr>
+        </p:nvSpPr>
+        <p:spPr>
+          <a:xfrm>
+            <a:off x="0" y="2084851"/>
+            <a:ext cx="12192000" cy="2404863"/>
+          </a:xfrm>
+        </p:spPr>
+        <p:txBody>
+          <a:bodyPr anchor="ctr">
+            <a:normAutofit/>
+          </a:bodyPr>
+          <a:lstStyle/>
+          <a:p>
+            <a:pPr marL="0" indent="0" algn="ctr">
+              <a:buNone/>
+            </a:pPr>
+            <a:r>
+              <a:rPr lang="zh-TW" altLang="en-US" sz="6400" b="1" dirty="0">
+                <a:solidFill>
+                  <a:srgbClr val="000066"/>
+                </a:solidFill>
+                <a:latin typeface="Microsoft JhengHei" panose="020B0604030504040204" pitchFamily="34" charset="-120"/>
+                <a:ea typeface="Microsoft JhengHei" panose="020B0604030504040204" pitchFamily="34" charset="-120"/>
+              </a:rPr>
+              <a:t>耶穌我懇求</a:t>
+            </a:r>
+            <a:r>
+              <a:rPr lang="zh-CN" altLang="en-US" sz="6400" b="1" dirty="0">
+                <a:solidFill>
+                  <a:srgbClr val="000066"/>
+                </a:solidFill>
+                <a:latin typeface="Microsoft JhengHei" panose="020B0604030504040204" pitchFamily="34" charset="-120"/>
+                <a:ea typeface="Microsoft JhengHei" panose="020B0604030504040204" pitchFamily="34" charset="-120"/>
+              </a:rPr>
+              <a:t>袮</a:t>
+            </a:r>
+            <a:endParaRPr lang="en-US" altLang="zh-TW" sz="6400" b="1" dirty="0">
+              <a:solidFill>
+                <a:srgbClr val="000066"/>
+              </a:solidFill>
+              <a:latin typeface="Microsoft JhengHei" panose="020B0604030504040204" pitchFamily="34" charset="-120"/>
+              <a:ea typeface="Microsoft JhengHei" panose="020B0604030504040204" pitchFamily="34" charset="-120"/>
+            </a:endParaRPr>
+          </a:p>
+          <a:p>
+            <a:pPr marL="0" indent="0" algn="ctr">
+              <a:buNone/>
+            </a:pPr>
+            <a:r>
+              <a:rPr lang="zh-TW" altLang="en-US" sz="6400" b="1" dirty="0">
+                <a:solidFill>
+                  <a:srgbClr val="000066"/>
+                </a:solidFill>
+                <a:latin typeface="Microsoft JhengHei" panose="020B0604030504040204" pitchFamily="34" charset="-120"/>
+                <a:ea typeface="Microsoft JhengHei" panose="020B0604030504040204" pitchFamily="34" charset="-120"/>
+              </a:rPr>
+              <a:t>使用我來改變這個世界</a:t>
+            </a:r>
+            <a:endParaRPr lang="vi-VN" sz="6400" b="1" dirty="0">
+              <a:solidFill>
+                <a:srgbClr val="000066"/>
+              </a:solidFill>
+              <a:latin typeface="Microsoft JhengHei" panose="020B0604030504040204" pitchFamily="34" charset="-120"/>
+              <a:ea typeface="Microsoft JhengHei" panose="020B0604030504040204" pitchFamily="34" charset="-120"/>
+            </a:endParaRPr>
+          </a:p>
+        </p:txBody>
+      </p:sp>
+      <p:sp>
+        <p:nvSpPr>
+          <p:cNvPr id="3" name="TextBox 2"/>
+          <p:cNvSpPr txBox="1"/>
+          <p:nvPr/>
+        </p:nvSpPr>
+        <p:spPr>
+          <a:xfrm>
+            <a:off x="178" y="5373218"/>
+            <a:ext cx="12191823" cy="769441"/>
+          </a:xfrm>
+          <a:prstGeom prst="rect">
+            <a:avLst/>
+          </a:prstGeom>
+          <a:noFill/>
+        </p:spPr>
+        <p:txBody>
+          <a:bodyPr wrap="square" rtlCol="0" anchor="ctr">
+            <a:spAutoFit/>
+          </a:bodyPr>
+          <a:lstStyle/>
+          <a:p>
+            <a:pPr algn="ctr"/>
+            <a:r>
+              <a:rPr lang="en-US" sz="4400" b="1" dirty="0">
+                <a:solidFill>
+                  <a:srgbClr val="000066"/>
+                </a:solidFill>
+                <a:effectLst/>
+                <a:latin typeface="Microsoft JhengHei" panose="020B0604030504040204" pitchFamily="34" charset="-120"/>
+                <a:ea typeface="Microsoft JhengHei" panose="020B0604030504040204" pitchFamily="34" charset="-120"/>
+              </a:rPr>
+              <a:t>( </a:t>
+            </a:r>
+            <a:r>
+              <a:rPr lang="zh-CN" altLang="en-US" sz="4400" b="1" dirty="0">
+                <a:solidFill>
+                  <a:srgbClr val="000066"/>
+                </a:solidFill>
+                <a:effectLst/>
+                <a:latin typeface="Microsoft JhengHei" panose="020B0604030504040204" pitchFamily="34" charset="-120"/>
+                <a:ea typeface="Microsoft JhengHei" panose="020B0604030504040204" pitchFamily="34" charset="-120"/>
+              </a:rPr>
+              <a:t>副</a:t>
+            </a:r>
+            <a:r>
+              <a:rPr lang="en-US" sz="4400" b="1" dirty="0">
+                <a:solidFill>
+                  <a:srgbClr val="000066"/>
+                </a:solidFill>
+                <a:effectLst/>
+                <a:latin typeface="Microsoft JhengHei" panose="020B0604030504040204" pitchFamily="34" charset="-120"/>
+                <a:ea typeface="Microsoft JhengHei" panose="020B0604030504040204" pitchFamily="34" charset="-120"/>
+              </a:rPr>
+              <a:t> )</a:t>
+            </a:r>
+            <a:endParaRPr lang="vi-VN" sz="4400" b="1" dirty="0">
+              <a:solidFill>
+                <a:srgbClr val="000066"/>
+              </a:solidFill>
+              <a:effectLst/>
+              <a:ea typeface="Microsoft JhengHei" panose="020B0604030504040204" pitchFamily="34" charset="-120"/>
+            </a:endParaRPr>
+          </a:p>
+        </p:txBody>
+      </p:sp>
+    </p:spTree>
+    <p:extLst>
+      <p:ext uri="{BB962C8B-B14F-4D97-AF65-F5344CB8AC3E}">
+        <p14:creationId xmlns:p14="http://schemas.microsoft.com/office/powerpoint/2010/main" val="1877020143"/>
+      </p:ext>
+    </p:extLst>
+  </p:cSld>
+  <p:clrMapOvr>
+    <a:masterClrMapping/>
+  </p:clrMapOvr>
+</p:sld>
+</file>
+
+<file path=ppt/slides/slide7.xml><?xml version="1.0" encoding="utf-8"?>
+<p:sld xmlns:a="http://schemas.openxmlformats.org/drawingml/2006/main" xmlns:r="http://schemas.openxmlformats.org/officeDocument/2006/relationships" xmlns:p="http://schemas.openxmlformats.org/presentationml/2006/main">
+  <p:cSld>
+    <p:spTree>
+      <p:nvGrpSpPr>
+        <p:cNvPr id="1" name=""/>
+        <p:cNvGrpSpPr/>
+        <p:nvPr/>
+      </p:nvGrpSpPr>
+      <p:grpSpPr>
+        <a:xfrm>
+          <a:off x="0" y="0"/>
+          <a:ext cx="0" cy="0"/>
+          <a:chOff x="0" y="0"/>
+          <a:chExt cx="0" cy="0"/>
+        </a:xfrm>
+      </p:grpSpPr>
+      <p:sp>
+        <p:nvSpPr>
+          <p:cNvPr id="5" name="內容版面配置區 4"/>
+          <p:cNvSpPr>
+            <a:spLocks noGrp="1"/>
+          </p:cNvSpPr>
+          <p:nvPr>
+            <p:ph idx="1"/>
+          </p:nvPr>
+        </p:nvSpPr>
+        <p:spPr>
+          <a:xfrm>
+            <a:off x="0" y="2084851"/>
+            <a:ext cx="12192000" cy="2404863"/>
+          </a:xfrm>
+        </p:spPr>
+        <p:txBody>
+          <a:bodyPr anchor="ctr">
+            <a:noAutofit/>
+          </a:bodyPr>
+          <a:lstStyle/>
+          <a:p>
+            <a:pPr marL="0" indent="0" algn="ctr">
+              <a:buNone/>
+            </a:pPr>
+            <a:r>
+              <a:rPr lang="zh-TW" altLang="en-US" sz="6400" b="1" dirty="0">
+                <a:solidFill>
+                  <a:srgbClr val="000066"/>
+                </a:solidFill>
+                <a:latin typeface="Microsoft JhengHei" panose="020B0604030504040204" pitchFamily="34" charset="-120"/>
+                <a:ea typeface="Microsoft JhengHei" panose="020B0604030504040204" pitchFamily="34" charset="-120"/>
+              </a:rPr>
+              <a:t>賜我信心與勇</a:t>
+            </a:r>
+            <a:r>
+              <a:rPr lang="zh-TW" altLang="en-US" sz="6400" b="1" dirty="0" smtClean="0">
+                <a:solidFill>
+                  <a:srgbClr val="000066"/>
+                </a:solidFill>
                 <a:latin typeface="Microsoft JhengHei" panose="020B0604030504040204" pitchFamily="34" charset="-120"/>
                 <a:ea typeface="Microsoft JhengHei" panose="020B0604030504040204" pitchFamily="34" charset="-120"/>
               </a:rPr>
               <a:t>氣</a:t>
             </a:r>
-            <a:endParaRPr lang="en-US" altLang="zh-TW" sz="5400" b="1" dirty="0">
+            <a:endParaRPr lang="en-US" altLang="zh-TW" sz="6400" b="1" dirty="0" smtClean="0">
+              <a:solidFill>
+                <a:srgbClr val="000066"/>
+              </a:solidFill>
               <a:latin typeface="Microsoft JhengHei" panose="020B0604030504040204" pitchFamily="34" charset="-120"/>
               <a:ea typeface="Microsoft JhengHei" panose="020B0604030504040204" pitchFamily="34" charset="-120"/>
             </a:endParaRPr>
@@ -3708,72 +4115,277 @@
               <a:buNone/>
             </a:pPr>
             <a:r>
-              <a:rPr lang="zh-TW" altLang="en-US" sz="5400" b="1" dirty="0">
+              <a:rPr lang="zh-TW" altLang="en-US" sz="6400" b="1" dirty="0" smtClean="0">
+                <a:solidFill>
+                  <a:srgbClr val="000066"/>
+                </a:solidFill>
                 <a:latin typeface="Microsoft JhengHei" panose="020B0604030504040204" pitchFamily="34" charset="-120"/>
                 <a:ea typeface="Microsoft JhengHei" panose="020B0604030504040204" pitchFamily="34" charset="-120"/>
               </a:rPr>
               <a:t>邁</a:t>
             </a:r>
             <a:r>
-              <a:rPr lang="zh-TW" altLang="en-US" sz="5400" b="1" dirty="0">
+              <a:rPr lang="zh-TW" altLang="en-US" sz="6400" b="1" dirty="0">
+                <a:solidFill>
+                  <a:srgbClr val="000066"/>
+                </a:solidFill>
                 <a:latin typeface="Microsoft JhengHei" panose="020B0604030504040204" pitchFamily="34" charset="-120"/>
                 <a:ea typeface="Microsoft JhengHei" panose="020B0604030504040204" pitchFamily="34" charset="-120"/>
               </a:rPr>
               <a:t>向這新的世</a:t>
             </a:r>
             <a:r>
-              <a:rPr lang="zh-TW" altLang="en-US" sz="5400" b="1" dirty="0">
+              <a:rPr lang="zh-TW" altLang="en-US" sz="6400" b="1" dirty="0" smtClean="0">
+                <a:solidFill>
+                  <a:srgbClr val="000066"/>
+                </a:solidFill>
                 <a:latin typeface="Microsoft JhengHei" panose="020B0604030504040204" pitchFamily="34" charset="-120"/>
                 <a:ea typeface="Microsoft JhengHei" panose="020B0604030504040204" pitchFamily="34" charset="-120"/>
               </a:rPr>
               <a:t>紀</a:t>
             </a:r>
-            <a:endParaRPr lang="en-US" altLang="zh-TW" sz="5400" b="1" dirty="0">
+            <a:endParaRPr lang="vi-VN" sz="6400" b="1" dirty="0">
+              <a:solidFill>
+                <a:srgbClr val="000066"/>
+              </a:solidFill>
               <a:latin typeface="Microsoft JhengHei" panose="020B0604030504040204" pitchFamily="34" charset="-120"/>
               <a:ea typeface="Microsoft JhengHei" panose="020B0604030504040204" pitchFamily="34" charset="-120"/>
             </a:endParaRPr>
           </a:p>
+        </p:txBody>
+      </p:sp>
+      <p:sp>
+        <p:nvSpPr>
+          <p:cNvPr id="3" name="TextBox 2"/>
+          <p:cNvSpPr txBox="1"/>
+          <p:nvPr/>
+        </p:nvSpPr>
+        <p:spPr>
+          <a:xfrm>
+            <a:off x="178" y="5373218"/>
+            <a:ext cx="12191823" cy="769441"/>
+          </a:xfrm>
+          <a:prstGeom prst="rect">
+            <a:avLst/>
+          </a:prstGeom>
+          <a:noFill/>
+        </p:spPr>
+        <p:txBody>
+          <a:bodyPr wrap="square" rtlCol="0" anchor="ctr">
+            <a:spAutoFit/>
+          </a:bodyPr>
+          <a:lstStyle/>
+          <a:p>
+            <a:pPr algn="ctr"/>
+            <a:r>
+              <a:rPr lang="en-US" sz="4400" b="1" dirty="0">
+                <a:solidFill>
+                  <a:srgbClr val="000066"/>
+                </a:solidFill>
+                <a:effectLst/>
+                <a:latin typeface="Microsoft JhengHei" panose="020B0604030504040204" pitchFamily="34" charset="-120"/>
+                <a:ea typeface="Microsoft JhengHei" panose="020B0604030504040204" pitchFamily="34" charset="-120"/>
+              </a:rPr>
+              <a:t>( </a:t>
+            </a:r>
+            <a:r>
+              <a:rPr lang="zh-CN" altLang="en-US" sz="4400" b="1" dirty="0">
+                <a:solidFill>
+                  <a:srgbClr val="000066"/>
+                </a:solidFill>
+                <a:effectLst/>
+                <a:latin typeface="Microsoft JhengHei" panose="020B0604030504040204" pitchFamily="34" charset="-120"/>
+                <a:ea typeface="Microsoft JhengHei" panose="020B0604030504040204" pitchFamily="34" charset="-120"/>
+              </a:rPr>
+              <a:t>副</a:t>
+            </a:r>
+            <a:r>
+              <a:rPr lang="en-US" sz="4400" b="1" dirty="0">
+                <a:solidFill>
+                  <a:srgbClr val="000066"/>
+                </a:solidFill>
+                <a:effectLst/>
+                <a:latin typeface="Microsoft JhengHei" panose="020B0604030504040204" pitchFamily="34" charset="-120"/>
+                <a:ea typeface="Microsoft JhengHei" panose="020B0604030504040204" pitchFamily="34" charset="-120"/>
+              </a:rPr>
+              <a:t> )</a:t>
+            </a:r>
+            <a:endParaRPr lang="vi-VN" sz="4400" b="1" dirty="0">
+              <a:solidFill>
+                <a:srgbClr val="000066"/>
+              </a:solidFill>
+              <a:effectLst/>
+              <a:ea typeface="Microsoft JhengHei" panose="020B0604030504040204" pitchFamily="34" charset="-120"/>
+            </a:endParaRPr>
+          </a:p>
+        </p:txBody>
+      </p:sp>
+    </p:spTree>
+    <p:extLst>
+      <p:ext uri="{BB962C8B-B14F-4D97-AF65-F5344CB8AC3E}">
+        <p14:creationId xmlns:p14="http://schemas.microsoft.com/office/powerpoint/2010/main" val="2216125201"/>
+      </p:ext>
+    </p:extLst>
+  </p:cSld>
+  <p:clrMapOvr>
+    <a:masterClrMapping/>
+  </p:clrMapOvr>
+</p:sld>
+</file>
+
+<file path=ppt/slides/slide8.xml><?xml version="1.0" encoding="utf-8"?>
+<p:sld xmlns:a="http://schemas.openxmlformats.org/drawingml/2006/main" xmlns:r="http://schemas.openxmlformats.org/officeDocument/2006/relationships" xmlns:p="http://schemas.openxmlformats.org/presentationml/2006/main">
+  <p:cSld>
+    <p:spTree>
+      <p:nvGrpSpPr>
+        <p:cNvPr id="1" name=""/>
+        <p:cNvGrpSpPr/>
+        <p:nvPr/>
+      </p:nvGrpSpPr>
+      <p:grpSpPr>
+        <a:xfrm>
+          <a:off x="0" y="0"/>
+          <a:ext cx="0" cy="0"/>
+          <a:chOff x="0" y="0"/>
+          <a:chExt cx="0" cy="0"/>
+        </a:xfrm>
+      </p:grpSpPr>
+      <p:sp>
+        <p:nvSpPr>
+          <p:cNvPr id="5" name="內容版面配置區 4"/>
+          <p:cNvSpPr>
+            <a:spLocks noGrp="1"/>
+          </p:cNvSpPr>
+          <p:nvPr>
+            <p:ph idx="1"/>
+          </p:nvPr>
+        </p:nvSpPr>
+        <p:spPr>
+          <a:xfrm>
+            <a:off x="0" y="2084851"/>
+            <a:ext cx="12192000" cy="2404863"/>
+          </a:xfrm>
+        </p:spPr>
+        <p:txBody>
+          <a:bodyPr anchor="ctr">
+            <a:noAutofit/>
+          </a:bodyPr>
+          <a:lstStyle/>
           <a:p>
             <a:pPr marL="0" indent="0" algn="ctr">
               <a:buNone/>
             </a:pPr>
             <a:r>
-              <a:rPr lang="zh-TW" altLang="en-US" sz="5400" b="1" dirty="0" smtClean="0">
+              <a:rPr lang="zh-TW" altLang="en-US" sz="6400" b="1" dirty="0" smtClean="0">
+                <a:solidFill>
+                  <a:srgbClr val="000066"/>
+                </a:solidFill>
                 <a:latin typeface="Microsoft JhengHei" panose="020B0604030504040204" pitchFamily="34" charset="-120"/>
                 <a:ea typeface="Microsoft JhengHei" panose="020B0604030504040204" pitchFamily="34" charset="-120"/>
               </a:rPr>
               <a:t>願</a:t>
             </a:r>
             <a:r>
-              <a:rPr lang="zh-CN" altLang="en-US" sz="5400" b="1" dirty="0">
+              <a:rPr lang="zh-CN" altLang="en-US" sz="6400" b="1" smtClean="0">
+                <a:solidFill>
+                  <a:srgbClr val="000066"/>
+                </a:solidFill>
                 <a:latin typeface="Microsoft JhengHei" panose="020B0604030504040204" pitchFamily="34" charset="-120"/>
                 <a:ea typeface="Microsoft JhengHei" panose="020B0604030504040204" pitchFamily="34" charset="-120"/>
               </a:rPr>
               <a:t>袮</a:t>
             </a:r>
             <a:r>
-              <a:rPr lang="zh-TW" altLang="en-US" sz="5400" b="1" dirty="0" smtClean="0">
+              <a:rPr lang="zh-TW" altLang="en-US" sz="6400" b="1" smtClean="0">
+                <a:solidFill>
+                  <a:srgbClr val="000066"/>
+                </a:solidFill>
                 <a:latin typeface="Microsoft JhengHei" panose="020B0604030504040204" pitchFamily="34" charset="-120"/>
                 <a:ea typeface="Microsoft JhengHei" panose="020B0604030504040204" pitchFamily="34" charset="-120"/>
               </a:rPr>
               <a:t>榮</a:t>
             </a:r>
             <a:r>
-              <a:rPr lang="zh-TW" altLang="en-US" sz="5400" b="1" dirty="0">
+              <a:rPr lang="zh-TW" altLang="en-US" sz="6400" b="1" dirty="0">
+                <a:solidFill>
+                  <a:srgbClr val="000066"/>
+                </a:solidFill>
                 <a:latin typeface="Microsoft JhengHei" panose="020B0604030504040204" pitchFamily="34" charset="-120"/>
                 <a:ea typeface="Microsoft JhengHei" panose="020B0604030504040204" pitchFamily="34" charset="-120"/>
               </a:rPr>
-              <a:t>耀的國度早日降</a:t>
-            </a:r>
-            <a:r>
-              <a:rPr lang="zh-TW" altLang="en-US" sz="5400" b="1" dirty="0">
+              <a:t>耀的國度早日降臨</a:t>
+            </a:r>
+            <a:endParaRPr lang="vi-VN" sz="6400" b="1" dirty="0">
+              <a:solidFill>
+                <a:srgbClr val="000066"/>
+              </a:solidFill>
+              <a:latin typeface="Microsoft JhengHei" panose="020B0604030504040204" pitchFamily="34" charset="-120"/>
+              <a:ea typeface="Microsoft JhengHei" panose="020B0604030504040204" pitchFamily="34" charset="-120"/>
+            </a:endParaRPr>
+          </a:p>
+        </p:txBody>
+      </p:sp>
+      <p:sp>
+        <p:nvSpPr>
+          <p:cNvPr id="3" name="TextBox 2"/>
+          <p:cNvSpPr txBox="1"/>
+          <p:nvPr/>
+        </p:nvSpPr>
+        <p:spPr>
+          <a:xfrm>
+            <a:off x="178" y="5373218"/>
+            <a:ext cx="12191823" cy="769441"/>
+          </a:xfrm>
+          <a:prstGeom prst="rect">
+            <a:avLst/>
+          </a:prstGeom>
+          <a:noFill/>
+        </p:spPr>
+        <p:txBody>
+          <a:bodyPr wrap="square" rtlCol="0" anchor="ctr">
+            <a:spAutoFit/>
+          </a:bodyPr>
+          <a:lstStyle/>
+          <a:p>
+            <a:pPr algn="ctr"/>
+            <a:r>
+              <a:rPr lang="en-US" sz="4400" b="1" dirty="0">
+                <a:solidFill>
+                  <a:srgbClr val="000066"/>
+                </a:solidFill>
+                <a:effectLst/>
                 <a:latin typeface="Microsoft JhengHei" panose="020B0604030504040204" pitchFamily="34" charset="-120"/>
                 <a:ea typeface="Microsoft JhengHei" panose="020B0604030504040204" pitchFamily="34" charset="-120"/>
               </a:rPr>
-              <a:t>臨</a:t>
-            </a:r>
-            <a:endParaRPr lang="vi-VN" sz="5400" b="1" dirty="0">
-              <a:latin typeface="Microsoft JhengHei" panose="020B0604030504040204" pitchFamily="34" charset="-120"/>
+              <a:t>( </a:t>
+            </a:r>
+            <a:r>
+              <a:rPr lang="zh-CN" altLang="en-US" sz="4400" b="1" dirty="0">
+                <a:solidFill>
+                  <a:srgbClr val="000066"/>
+                </a:solidFill>
+                <a:effectLst/>
+                <a:latin typeface="Microsoft JhengHei" panose="020B0604030504040204" pitchFamily="34" charset="-120"/>
+                <a:ea typeface="Microsoft JhengHei" panose="020B0604030504040204" pitchFamily="34" charset="-120"/>
+              </a:rPr>
+              <a:t>副</a:t>
+            </a:r>
+            <a:r>
+              <a:rPr lang="en-US" sz="4400" b="1" dirty="0">
+                <a:solidFill>
+                  <a:srgbClr val="000066"/>
+                </a:solidFill>
+                <a:effectLst/>
+                <a:latin typeface="Microsoft JhengHei" panose="020B0604030504040204" pitchFamily="34" charset="-120"/>
+                <a:ea typeface="Microsoft JhengHei" panose="020B0604030504040204" pitchFamily="34" charset="-120"/>
+              </a:rPr>
+              <a:t> )</a:t>
+            </a:r>
+            <a:endParaRPr lang="vi-VN" sz="4400" b="1" dirty="0">
+              <a:solidFill>
+                <a:srgbClr val="000066"/>
+              </a:solidFill>
+              <a:effectLst/>
               <a:ea typeface="Microsoft JhengHei" panose="020B0604030504040204" pitchFamily="34" charset="-120"/>
             </a:endParaRPr>
           </a:p>
@@ -3782,7 +4394,7 @@
     </p:spTree>
     <p:extLst>
       <p:ext uri="{BB962C8B-B14F-4D97-AF65-F5344CB8AC3E}">
-        <p14:creationId xmlns:p14="http://schemas.microsoft.com/office/powerpoint/2010/main" val="3567577230"/>
+        <p14:creationId xmlns:p14="http://schemas.microsoft.com/office/powerpoint/2010/main" val="1599169257"/>
       </p:ext>
     </p:extLst>
   </p:cSld>
